--- a/Powerpoint presentation.pptx
+++ b/Powerpoint presentation.pptx
@@ -6,14 +6,15 @@
   </p:sldMasterIdLst>
   <p:sldIdLst>
     <p:sldId id="256" r:id="rId2"/>
-    <p:sldId id="257" r:id="rId3"/>
-    <p:sldId id="258" r:id="rId4"/>
-    <p:sldId id="264" r:id="rId5"/>
-    <p:sldId id="259" r:id="rId6"/>
-    <p:sldId id="260" r:id="rId7"/>
-    <p:sldId id="266" r:id="rId8"/>
-    <p:sldId id="262" r:id="rId9"/>
-    <p:sldId id="263" r:id="rId10"/>
+    <p:sldId id="258" r:id="rId3"/>
+    <p:sldId id="264" r:id="rId4"/>
+    <p:sldId id="259" r:id="rId5"/>
+    <p:sldId id="260" r:id="rId6"/>
+    <p:sldId id="266" r:id="rId7"/>
+    <p:sldId id="267" r:id="rId8"/>
+    <p:sldId id="268" r:id="rId9"/>
+    <p:sldId id="269" r:id="rId10"/>
+    <p:sldId id="270" r:id="rId11"/>
   </p:sldIdLst>
   <p:sldSz cx="12192000" cy="6858000"/>
   <p:notesSz cx="6858000" cy="9144000"/>
@@ -3888,6 +3889,78 @@
 </p:sld>
 </file>
 
+<file path=ppt/slides/slide10.xml><?xml version="1.0" encoding="utf-8"?>
+<p:sld xmlns:a="http://schemas.openxmlformats.org/drawingml/2006/main" xmlns:r="http://schemas.openxmlformats.org/officeDocument/2006/relationships" xmlns:p="http://schemas.openxmlformats.org/presentationml/2006/main">
+  <p:cSld>
+    <p:spTree>
+      <p:nvGrpSpPr>
+        <p:cNvPr id="1" name=""/>
+        <p:cNvGrpSpPr/>
+        <p:nvPr/>
+      </p:nvGrpSpPr>
+      <p:grpSpPr>
+        <a:xfrm>
+          <a:off x="0" y="0"/>
+          <a:ext cx="0" cy="0"/>
+          <a:chOff x="0" y="0"/>
+          <a:chExt cx="0" cy="0"/>
+        </a:xfrm>
+      </p:grpSpPr>
+      <p:sp>
+        <p:nvSpPr>
+          <p:cNvPr id="2" name="Title 1"/>
+          <p:cNvSpPr>
+            <a:spLocks noGrp="1"/>
+          </p:cNvSpPr>
+          <p:nvPr>
+            <p:ph type="title"/>
+          </p:nvPr>
+        </p:nvSpPr>
+        <p:spPr/>
+        <p:txBody>
+          <a:bodyPr/>
+          <a:lstStyle/>
+          <a:p>
+            <a:r>
+              <a:rPr lang="en-GB" dirty="0" smtClean="0"/>
+              <a:t>EDI and Trustworthy Data Science</a:t>
+            </a:r>
+            <a:endParaRPr lang="en-GB" dirty="0"/>
+          </a:p>
+        </p:txBody>
+      </p:sp>
+      <p:sp>
+        <p:nvSpPr>
+          <p:cNvPr id="3" name="Content Placeholder 2"/>
+          <p:cNvSpPr>
+            <a:spLocks noGrp="1"/>
+          </p:cNvSpPr>
+          <p:nvPr>
+            <p:ph idx="1"/>
+          </p:nvPr>
+        </p:nvSpPr>
+        <p:spPr/>
+        <p:txBody>
+          <a:bodyPr/>
+          <a:lstStyle/>
+          <a:p>
+            <a:endParaRPr lang="en-GB" dirty="0"/>
+          </a:p>
+        </p:txBody>
+      </p:sp>
+    </p:spTree>
+    <p:extLst>
+      <p:ext uri="{BB962C8B-B14F-4D97-AF65-F5344CB8AC3E}">
+        <p14:creationId xmlns:p14="http://schemas.microsoft.com/office/powerpoint/2010/main" val="910263222"/>
+      </p:ext>
+    </p:extLst>
+  </p:cSld>
+  <p:clrMapOvr>
+    <a:masterClrMapping/>
+  </p:clrMapOvr>
+</p:sld>
+</file>
+
 <file path=ppt/slides/slide2.xml><?xml version="1.0" encoding="utf-8"?>
 <p:sld xmlns:a="http://schemas.openxmlformats.org/drawingml/2006/main" xmlns:r="http://schemas.openxmlformats.org/officeDocument/2006/relationships" xmlns:p="http://schemas.openxmlformats.org/presentationml/2006/main">
   <p:cSld>
@@ -3922,7 +3995,7 @@
           <a:p>
             <a:r>
               <a:rPr lang="en-GB" dirty="0" smtClean="0"/>
-              <a:t>The task</a:t>
+              <a:t>The key problem</a:t>
             </a:r>
             <a:endParaRPr lang="en-GB" dirty="0"/>
           </a:p>
@@ -3930,27 +4003,116 @@
       </p:sp>
       <p:sp>
         <p:nvSpPr>
-          <p:cNvPr id="3" name="Content Placeholder 2"/>
-          <p:cNvSpPr>
-            <a:spLocks noGrp="1"/>
-          </p:cNvSpPr>
-          <p:nvPr>
-            <p:ph idx="1"/>
-          </p:nvPr>
-        </p:nvSpPr>
-        <p:spPr/>
-        <p:txBody>
-          <a:bodyPr/>
-          <a:lstStyle/>
-          <a:p>
-            <a:endParaRPr lang="en-GB"/>
+          <p:cNvPr id="4" name="TextBox 3"/>
+          <p:cNvSpPr txBox="1"/>
+          <p:nvPr/>
+        </p:nvSpPr>
+        <p:spPr>
+          <a:xfrm>
+            <a:off x="831273" y="2623127"/>
+            <a:ext cx="9864436" cy="369332"/>
+          </a:xfrm>
+          <a:prstGeom prst="rect">
+            <a:avLst/>
+          </a:prstGeom>
+          <a:noFill/>
+        </p:spPr>
+        <p:txBody>
+          <a:bodyPr wrap="square" rtlCol="0">
+            <a:spAutoFit/>
+          </a:bodyPr>
+          <a:lstStyle/>
+          <a:p>
+            <a:r>
+              <a:rPr lang="en-GB" dirty="0" smtClean="0"/>
+              <a:t>“I am so glad I did not take a vaccine given what I’ve read online!” – </a:t>
+            </a:r>
+            <a:r>
+              <a:rPr lang="en-GB" b="1" u="sng" dirty="0" smtClean="0"/>
+              <a:t>Anti</a:t>
+            </a:r>
+            <a:r>
+              <a:rPr lang="en-GB" b="1" dirty="0" smtClean="0"/>
+              <a:t>-vax but </a:t>
+            </a:r>
+            <a:r>
+              <a:rPr lang="en-GB" b="1" u="sng" dirty="0" smtClean="0"/>
+              <a:t>positive</a:t>
+            </a:r>
+            <a:r>
+              <a:rPr lang="en-GB" b="1" dirty="0" smtClean="0"/>
+              <a:t> sentiment</a:t>
+            </a:r>
+            <a:endParaRPr lang="en-GB" dirty="0"/>
+          </a:p>
+        </p:txBody>
+      </p:sp>
+      <p:sp>
+        <p:nvSpPr>
+          <p:cNvPr id="5" name="TextBox 4"/>
+          <p:cNvSpPr txBox="1"/>
+          <p:nvPr/>
+        </p:nvSpPr>
+        <p:spPr>
+          <a:xfrm>
+            <a:off x="831273" y="3878226"/>
+            <a:ext cx="9864436" cy="646331"/>
+          </a:xfrm>
+          <a:prstGeom prst="rect">
+            <a:avLst/>
+          </a:prstGeom>
+          <a:noFill/>
+        </p:spPr>
+        <p:txBody>
+          <a:bodyPr wrap="square" rtlCol="0">
+            <a:spAutoFit/>
+          </a:bodyPr>
+          <a:lstStyle/>
+          <a:p>
+            <a:r>
+              <a:rPr lang="en-GB" dirty="0" smtClean="0">
+                <a:solidFill>
+                  <a:srgbClr val="FF0000"/>
+                </a:solidFill>
+              </a:rPr>
+              <a:t>“I am so angry with my countries vaccination rollout, which is not reaching those in need!</a:t>
+            </a:r>
+            <a:r>
+              <a:rPr lang="en-GB" dirty="0" smtClean="0"/>
+              <a:t>–</a:t>
+            </a:r>
+            <a:r>
+              <a:rPr lang="en-GB" dirty="0" smtClean="0">
+                <a:solidFill>
+                  <a:srgbClr val="FF0000"/>
+                </a:solidFill>
+              </a:rPr>
+              <a:t> </a:t>
+            </a:r>
+            <a:r>
+              <a:rPr lang="en-GB" b="1" u="sng" dirty="0" smtClean="0"/>
+              <a:t>Pro</a:t>
+            </a:r>
+            <a:r>
+              <a:rPr lang="en-GB" b="1" dirty="0" smtClean="0"/>
+              <a:t>-vax but </a:t>
+            </a:r>
+            <a:r>
+              <a:rPr lang="en-GB" b="1" u="sng" dirty="0" smtClean="0"/>
+              <a:t>negative</a:t>
+            </a:r>
+            <a:r>
+              <a:rPr lang="en-GB" b="1" dirty="0" smtClean="0"/>
+              <a:t> sentiment</a:t>
+            </a:r>
+            <a:endParaRPr lang="en-GB" dirty="0"/>
           </a:p>
         </p:txBody>
       </p:sp>
     </p:spTree>
     <p:extLst>
       <p:ext uri="{BB962C8B-B14F-4D97-AF65-F5344CB8AC3E}">
-        <p14:creationId xmlns:p14="http://schemas.microsoft.com/office/powerpoint/2010/main" val="4241939258"/>
+        <p14:creationId xmlns:p14="http://schemas.microsoft.com/office/powerpoint/2010/main" val="2804574818"/>
       </p:ext>
     </p:extLst>
   </p:cSld>
@@ -3994,7 +4156,7 @@
           <a:p>
             <a:r>
               <a:rPr lang="en-GB" dirty="0" smtClean="0"/>
-              <a:t>The key problem</a:t>
+              <a:t>Our app</a:t>
             </a:r>
             <a:endParaRPr lang="en-GB" dirty="0"/>
           </a:p>
@@ -4002,107 +4164,64 @@
       </p:sp>
       <p:sp>
         <p:nvSpPr>
-          <p:cNvPr id="4" name="TextBox 3"/>
-          <p:cNvSpPr txBox="1"/>
-          <p:nvPr/>
-        </p:nvSpPr>
-        <p:spPr>
-          <a:xfrm>
-            <a:off x="831273" y="2623127"/>
-            <a:ext cx="9864436" cy="369332"/>
-          </a:xfrm>
-          <a:prstGeom prst="rect">
-            <a:avLst/>
-          </a:prstGeom>
-          <a:noFill/>
-        </p:spPr>
-        <p:txBody>
-          <a:bodyPr wrap="square" rtlCol="0">
-            <a:spAutoFit/>
-          </a:bodyPr>
+          <p:cNvPr id="3" name="Content Placeholder 2"/>
+          <p:cNvSpPr>
+            <a:spLocks noGrp="1"/>
+          </p:cNvSpPr>
+          <p:nvPr>
+            <p:ph idx="1"/>
+          </p:nvPr>
+        </p:nvSpPr>
+        <p:spPr/>
+        <p:txBody>
+          <a:bodyPr/>
           <a:lstStyle/>
           <a:p>
             <a:r>
               <a:rPr lang="en-GB" dirty="0" smtClean="0"/>
-              <a:t>“I am so glad I did not take a vaccine given what I’ve read online!” – </a:t>
-            </a:r>
-            <a:r>
-              <a:rPr lang="en-GB" b="1" u="sng" dirty="0" smtClean="0"/>
-              <a:t>Anti</a:t>
+              <a:t>We built an App that can identify tweets which are anti-vaccine misinformation for a given month, and identify </a:t>
             </a:r>
             <a:r>
               <a:rPr lang="en-GB" b="1" dirty="0" smtClean="0"/>
-              <a:t>-vax but </a:t>
-            </a:r>
-            <a:r>
-              <a:rPr lang="en-GB" b="1" u="sng" dirty="0" smtClean="0"/>
-              <a:t>positive</a:t>
+              <a:t>where </a:t>
+            </a:r>
+            <a:r>
+              <a:rPr lang="en-GB" dirty="0" smtClean="0"/>
+              <a:t>interventions can be targeted on social media</a:t>
+            </a:r>
+          </a:p>
+          <a:p>
+            <a:endParaRPr lang="en-GB" dirty="0"/>
+          </a:p>
+          <a:p>
+            <a:r>
+              <a:rPr lang="en-GB" dirty="0" smtClean="0"/>
+              <a:t>This would allow authorities to target posts in the right areas to bring down anti-vaccination sentiment in the long run</a:t>
+            </a:r>
+          </a:p>
+          <a:p>
+            <a:endParaRPr lang="en-GB" dirty="0"/>
+          </a:p>
+          <a:p>
+            <a:r>
+              <a:rPr lang="en-GB" dirty="0" smtClean="0"/>
+              <a:t>Our app also </a:t>
             </a:r>
             <a:r>
               <a:rPr lang="en-GB" b="1" dirty="0" smtClean="0"/>
-              <a:t> sentiment</a:t>
-            </a:r>
-            <a:endParaRPr lang="en-GB" dirty="0"/>
-          </a:p>
-        </p:txBody>
-      </p:sp>
-      <p:sp>
-        <p:nvSpPr>
-          <p:cNvPr id="5" name="TextBox 4"/>
-          <p:cNvSpPr txBox="1"/>
-          <p:nvPr/>
-        </p:nvSpPr>
-        <p:spPr>
-          <a:xfrm>
-            <a:off x="831273" y="3878226"/>
-            <a:ext cx="9864436" cy="646331"/>
-          </a:xfrm>
-          <a:prstGeom prst="rect">
-            <a:avLst/>
-          </a:prstGeom>
-          <a:noFill/>
-        </p:spPr>
-        <p:txBody>
-          <a:bodyPr wrap="square" rtlCol="0">
-            <a:spAutoFit/>
-          </a:bodyPr>
-          <a:lstStyle/>
-          <a:p>
-            <a:r>
-              <a:rPr lang="en-GB" dirty="0" smtClean="0">
-                <a:solidFill>
-                  <a:srgbClr val="FF0000"/>
-                </a:solidFill>
-              </a:rPr>
-              <a:t>“I am so angry with my countries vaccination rollout, which is not reaching those in need!</a:t>
+              <a:t>predicts</a:t>
             </a:r>
             <a:r>
               <a:rPr lang="en-GB" dirty="0" smtClean="0"/>
-              <a:t>–</a:t>
-            </a:r>
-            <a:r>
-              <a:rPr lang="en-GB" dirty="0" smtClean="0">
-                <a:solidFill>
-                  <a:srgbClr val="FF0000"/>
-                </a:solidFill>
-              </a:rPr>
-              <a:t> </a:t>
-            </a:r>
-            <a:r>
-              <a:rPr lang="en-GB" b="1" u="sng" dirty="0" smtClean="0"/>
-              <a:t>Pro</a:t>
-            </a:r>
-            <a:r>
-              <a:rPr lang="en-GB" b="1" dirty="0" smtClean="0"/>
-              <a:t>-vax but </a:t>
-            </a:r>
-            <a:r>
-              <a:rPr lang="en-GB" b="1" u="sng" dirty="0" smtClean="0"/>
-              <a:t>negative</a:t>
-            </a:r>
-            <a:r>
-              <a:rPr lang="en-GB" b="1" dirty="0" smtClean="0"/>
-              <a:t> sentiment</a:t>
+              <a:t> upcoming anti-vaccination attitudes based on </a:t>
+            </a:r>
+            <a:r>
+              <a:rPr lang="en-GB" u="sng" dirty="0" smtClean="0"/>
+              <a:t>current</a:t>
+            </a:r>
+            <a:r>
+              <a:rPr lang="en-GB" dirty="0" smtClean="0"/>
+              <a:t> misinformation</a:t>
             </a:r>
             <a:endParaRPr lang="en-GB" dirty="0"/>
           </a:p>
@@ -4111,7 +4230,7 @@
     </p:spTree>
     <p:extLst>
       <p:ext uri="{BB962C8B-B14F-4D97-AF65-F5344CB8AC3E}">
-        <p14:creationId xmlns:p14="http://schemas.microsoft.com/office/powerpoint/2010/main" val="2804574818"/>
+        <p14:creationId xmlns:p14="http://schemas.microsoft.com/office/powerpoint/2010/main" val="830571696"/>
       </p:ext>
     </p:extLst>
   </p:cSld>
@@ -4155,7 +4274,7 @@
           <a:p>
             <a:r>
               <a:rPr lang="en-GB" dirty="0" smtClean="0"/>
-              <a:t>Our app</a:t>
+              <a:t>Sentiment Analysis</a:t>
             </a:r>
             <a:endParaRPr lang="en-GB" dirty="0"/>
           </a:p>
@@ -4177,16 +4296,37 @@
           <a:lstStyle/>
           <a:p>
             <a:r>
+              <a:rPr lang="en-GB" dirty="0" err="1" smtClean="0"/>
+              <a:t>TextBlob</a:t>
+            </a:r>
+            <a:r>
               <a:rPr lang="en-GB" dirty="0" smtClean="0"/>
-              <a:t>We built an App that can identify tweets which are anti-vaccine misinformation for a given month, and identify </a:t>
+              <a:t> python library used for sentiment analysis</a:t>
+            </a:r>
+          </a:p>
+          <a:p>
+            <a:endParaRPr lang="en-GB" dirty="0" smtClean="0"/>
+          </a:p>
+          <a:p>
+            <a:r>
+              <a:rPr lang="en-GB" dirty="0" smtClean="0"/>
+              <a:t>Pre-trained model which outputs </a:t>
             </a:r>
             <a:r>
               <a:rPr lang="en-GB" b="1" dirty="0" smtClean="0"/>
-              <a:t>where </a:t>
+              <a:t>polarity</a:t>
             </a:r>
             <a:r>
               <a:rPr lang="en-GB" dirty="0" smtClean="0"/>
-              <a:t>interventions can be targeted on social media</a:t>
+              <a:t> (-1 = negative, 1 = positive) and </a:t>
+            </a:r>
+            <a:r>
+              <a:rPr lang="en-GB" b="1" dirty="0" smtClean="0"/>
+              <a:t>subjectivity</a:t>
+            </a:r>
+            <a:r>
+              <a:rPr lang="en-GB" dirty="0" smtClean="0"/>
+              <a:t> (0 = fact-based, 1 = opinion-based)</a:t>
             </a:r>
           </a:p>
           <a:p>
@@ -4195,32 +4335,19 @@
           <a:p>
             <a:r>
               <a:rPr lang="en-GB" dirty="0" smtClean="0"/>
-              <a:t>This would allow authorities to target posts in the right areas to bring down anti-vaccination sentiment in the long run</a:t>
-            </a:r>
-          </a:p>
-          <a:p>
-            <a:endParaRPr lang="en-GB" dirty="0"/>
-          </a:p>
-          <a:p>
+              <a:t>For each tweet, we calculate </a:t>
+            </a:r>
+            <a:r>
+              <a:rPr lang="en-GB" b="1" dirty="0" smtClean="0"/>
+              <a:t>polarity </a:t>
+            </a:r>
             <a:r>
               <a:rPr lang="en-GB" dirty="0" smtClean="0"/>
-              <a:t>Our app also </a:t>
+              <a:t>and </a:t>
             </a:r>
             <a:r>
               <a:rPr lang="en-GB" b="1" dirty="0" smtClean="0"/>
-              <a:t>predicts</a:t>
-            </a:r>
-            <a:r>
-              <a:rPr lang="en-GB" dirty="0" smtClean="0"/>
-              <a:t> upcoming anti-vaccination attitudes based on </a:t>
-            </a:r>
-            <a:r>
-              <a:rPr lang="en-GB" u="sng" dirty="0" smtClean="0"/>
-              <a:t>current</a:t>
-            </a:r>
-            <a:r>
-              <a:rPr lang="en-GB" dirty="0" smtClean="0"/>
-              <a:t> misinformation</a:t>
+              <a:t>subjectivity</a:t>
             </a:r>
             <a:endParaRPr lang="en-GB" dirty="0"/>
           </a:p>
@@ -4229,7 +4356,7 @@
     </p:spTree>
     <p:extLst>
       <p:ext uri="{BB962C8B-B14F-4D97-AF65-F5344CB8AC3E}">
-        <p14:creationId xmlns:p14="http://schemas.microsoft.com/office/powerpoint/2010/main" val="830571696"/>
+        <p14:creationId xmlns:p14="http://schemas.microsoft.com/office/powerpoint/2010/main" val="3214792823"/>
       </p:ext>
     </p:extLst>
   </p:cSld>
@@ -4273,7 +4400,7 @@
           <a:p>
             <a:r>
               <a:rPr lang="en-GB" dirty="0" smtClean="0"/>
-              <a:t>Sentiment Analysis</a:t>
+              <a:t>Named Entity Recognition</a:t>
             </a:r>
             <a:endParaRPr lang="en-GB" dirty="0"/>
           </a:p>
@@ -4295,12 +4422,8 @@
           <a:lstStyle/>
           <a:p>
             <a:r>
-              <a:rPr lang="en-GB" dirty="0" err="1" smtClean="0"/>
-              <a:t>TextBlob</a:t>
-            </a:r>
-            <a:r>
               <a:rPr lang="en-GB" dirty="0" smtClean="0"/>
-              <a:t> python library used for sentiment analysis</a:t>
+              <a:t>NLTK library used in python, which has a pre-trained model:</a:t>
             </a:r>
           </a:p>
           <a:p>
@@ -4308,24 +4431,30 @@
           </a:p>
           <a:p>
             <a:r>
+              <a:rPr lang="en-GB" u="sng" dirty="0" smtClean="0"/>
+              <a:t>Named entity recognition</a:t>
+            </a:r>
+            <a:r>
               <a:rPr lang="en-GB" dirty="0" smtClean="0"/>
-              <a:t>Pre-trained model which outputs </a:t>
+              <a:t> identifies and classifies named entities (Persons, Organisations, locations etc…)</a:t>
+            </a:r>
+            <a:endParaRPr lang="en-GB" u="sng" dirty="0" smtClean="0"/>
+          </a:p>
+          <a:p>
+            <a:endParaRPr lang="en-GB" dirty="0" smtClean="0"/>
+          </a:p>
+          <a:p>
+            <a:r>
+              <a:rPr lang="en-GB" dirty="0" smtClean="0"/>
+              <a:t>We then</a:t>
             </a:r>
             <a:r>
               <a:rPr lang="en-GB" b="1" dirty="0" smtClean="0"/>
-              <a:t>polarity</a:t>
+              <a:t> categorised</a:t>
             </a:r>
             <a:r>
               <a:rPr lang="en-GB" dirty="0" smtClean="0"/>
-              <a:t> (-1 = negative, 1 = positive) and </a:t>
-            </a:r>
-            <a:r>
-              <a:rPr lang="en-GB" b="1" dirty="0" smtClean="0"/>
-              <a:t>subjectivity</a:t>
-            </a:r>
-            <a:r>
-              <a:rPr lang="en-GB" dirty="0" smtClean="0"/>
-              <a:t> (0 = fact-based, 1 = opinion-based)</a:t>
+              <a:t> out entities using a dictionary with categories such as “vaccine misinformation”, “organisations”, “conspiracies”…</a:t>
             </a:r>
           </a:p>
           <a:p>
@@ -4333,29 +4462,17 @@
           </a:p>
           <a:p>
             <a:r>
-              <a:rPr lang="en-GB" dirty="0" smtClean="0"/>
-              <a:t>For each tweet, we calculate </a:t>
-            </a:r>
-            <a:r>
-              <a:rPr lang="en-GB" b="1" dirty="0" smtClean="0"/>
-              <a:t>polarity </a:t>
-            </a:r>
-            <a:r>
-              <a:rPr lang="en-GB" dirty="0" smtClean="0"/>
-              <a:t>and </a:t>
-            </a:r>
-            <a:r>
-              <a:rPr lang="en-GB" b="1" dirty="0" smtClean="0"/>
-              <a:t>subjectivity</a:t>
-            </a:r>
-            <a:endParaRPr lang="en-GB" dirty="0"/>
+              <a:rPr lang="en-GB" i="1" dirty="0" smtClean="0"/>
+              <a:t>Each tweet can then be summarised by the categories it has present</a:t>
+            </a:r>
+            <a:endParaRPr lang="en-GB" i="1" dirty="0"/>
           </a:p>
         </p:txBody>
       </p:sp>
     </p:spTree>
     <p:extLst>
       <p:ext uri="{BB962C8B-B14F-4D97-AF65-F5344CB8AC3E}">
-        <p14:creationId xmlns:p14="http://schemas.microsoft.com/office/powerpoint/2010/main" val="3214792823"/>
+        <p14:creationId xmlns:p14="http://schemas.microsoft.com/office/powerpoint/2010/main" val="2363478396"/>
       </p:ext>
     </p:extLst>
   </p:cSld>
@@ -4399,7 +4516,7 @@
           <a:p>
             <a:r>
               <a:rPr lang="en-GB" dirty="0" smtClean="0"/>
-              <a:t>Named Entity Recognition</a:t>
+              <a:t>Identifying misinformation</a:t>
             </a:r>
             <a:endParaRPr lang="en-GB" dirty="0"/>
           </a:p>
@@ -4422,56 +4539,63 @@
           <a:p>
             <a:r>
               <a:rPr lang="en-GB" dirty="0" smtClean="0"/>
-              <a:t>NLTK library used in python, which has a pre-trained model:</a:t>
-            </a:r>
-          </a:p>
-          <a:p>
-            <a:endParaRPr lang="en-GB" dirty="0" smtClean="0"/>
-          </a:p>
-          <a:p>
-            <a:r>
-              <a:rPr lang="en-GB" u="sng" dirty="0" smtClean="0"/>
-              <a:t>Named entity recognition</a:t>
+              <a:t>We built a predictive model to predict whether a tweet was </a:t>
+            </a:r>
+            <a:r>
+              <a:rPr lang="en-GB" b="1" dirty="0" smtClean="0"/>
+              <a:t>anti-vax</a:t>
             </a:r>
             <a:r>
               <a:rPr lang="en-GB" dirty="0" smtClean="0"/>
-              <a:t> identifies and classifies named entities (Persons, Organisations, locations etc…)</a:t>
-            </a:r>
-            <a:endParaRPr lang="en-GB" u="sng" dirty="0" smtClean="0"/>
-          </a:p>
-          <a:p>
-            <a:endParaRPr lang="en-GB" dirty="0" smtClean="0"/>
+              <a:t> misinformation or not</a:t>
+            </a:r>
+          </a:p>
+          <a:p>
+            <a:endParaRPr lang="en-GB" dirty="0"/>
           </a:p>
           <a:p>
             <a:r>
               <a:rPr lang="en-GB" dirty="0" smtClean="0"/>
-              <a:t>We then</a:t>
+              <a:t>We labelled a dataset based on our own judgement</a:t>
+            </a:r>
+          </a:p>
+          <a:p>
+            <a:endParaRPr lang="en-GB" dirty="0"/>
+          </a:p>
+          <a:p>
+            <a:r>
+              <a:rPr lang="en-GB" dirty="0" smtClean="0"/>
+              <a:t>For each tweet we then predicted the probability that tweet is </a:t>
+            </a:r>
+            <a:r>
+              <a:rPr lang="en-GB" i="1" dirty="0" smtClean="0"/>
+              <a:t>misinformation</a:t>
+            </a:r>
+            <a:r>
+              <a:rPr lang="en-GB" dirty="0" smtClean="0"/>
+              <a:t> based on our model</a:t>
+            </a:r>
+          </a:p>
+          <a:p>
+            <a:endParaRPr lang="en-GB" dirty="0"/>
+          </a:p>
+          <a:p>
+            <a:r>
+              <a:rPr lang="en-GB" dirty="0" smtClean="0"/>
+              <a:t>Model covariates include – </a:t>
             </a:r>
             <a:r>
               <a:rPr lang="en-GB" b="1" dirty="0" smtClean="0"/>
-              <a:t> categorised</a:t>
-            </a:r>
-            <a:r>
-              <a:rPr lang="en-GB" dirty="0" smtClean="0"/>
-              <a:t> out entities using a dictionary with categories such as “vaccine misinformation”, “organisations”, “conspiracies”…</a:t>
-            </a:r>
-          </a:p>
-          <a:p>
+              <a:t>Sentiment of tweet, Categorised Entities and Date</a:t>
+            </a:r>
             <a:endParaRPr lang="en-GB" dirty="0"/>
-          </a:p>
-          <a:p>
-            <a:r>
-              <a:rPr lang="en-GB" i="1" dirty="0" smtClean="0"/>
-              <a:t>Each tweet can then be summarised by the categories it has present</a:t>
-            </a:r>
-            <a:endParaRPr lang="en-GB" i="1" dirty="0"/>
           </a:p>
         </p:txBody>
       </p:sp>
     </p:spTree>
     <p:extLst>
       <p:ext uri="{BB962C8B-B14F-4D97-AF65-F5344CB8AC3E}">
-        <p14:creationId xmlns:p14="http://schemas.microsoft.com/office/powerpoint/2010/main" val="2363478396"/>
+        <p14:creationId xmlns:p14="http://schemas.microsoft.com/office/powerpoint/2010/main" val="351017167"/>
       </p:ext>
     </p:extLst>
   </p:cSld>
@@ -4515,7 +4639,7 @@
           <a:p>
             <a:r>
               <a:rPr lang="en-GB" dirty="0" smtClean="0"/>
-              <a:t>Identifying misinformation</a:t>
+              <a:t>Public Perception</a:t>
             </a:r>
             <a:endParaRPr lang="en-GB" dirty="0"/>
           </a:p>
@@ -4536,57 +4660,70 @@
           <a:bodyPr/>
           <a:lstStyle/>
           <a:p>
+            <a:pPr marL="0" indent="0">
+              <a:buNone/>
+            </a:pPr>
             <a:r>
               <a:rPr lang="en-GB" dirty="0" smtClean="0"/>
-              <a:t>We built a predictive model to predict whether a tweet was </a:t>
+              <a:t>The platform </a:t>
+            </a:r>
+            <a:r>
+              <a:rPr lang="en-GB" u="sng" dirty="0" smtClean="0"/>
+              <a:t>identifies</a:t>
+            </a:r>
+            <a:r>
+              <a:rPr lang="en-GB" dirty="0" smtClean="0"/>
+              <a:t> potential misinformation, but it </a:t>
             </a:r>
             <a:r>
               <a:rPr lang="en-GB" b="1" dirty="0" smtClean="0"/>
-              <a:t>anti-vax</a:t>
+              <a:t>does not remove it</a:t>
             </a:r>
             <a:r>
               <a:rPr lang="en-GB" dirty="0" smtClean="0"/>
-              <a:t> misinformation or not</a:t>
+              <a:t>.</a:t>
             </a:r>
           </a:p>
           <a:p>
             <a:endParaRPr lang="en-GB" dirty="0"/>
           </a:p>
           <a:p>
+            <a:pPr marL="0" indent="0">
+              <a:buNone/>
+            </a:pPr>
             <a:r>
               <a:rPr lang="en-GB" dirty="0" smtClean="0"/>
-              <a:t>We labelled a dataset based on our own judgement</a:t>
-            </a:r>
-          </a:p>
-          <a:p>
+              <a:t>We recommend interventions, which will consist of the dissemination of </a:t>
+            </a:r>
+            <a:r>
+              <a:rPr lang="en-GB" u="sng" dirty="0" smtClean="0"/>
+              <a:t>trustworthy, </a:t>
+            </a:r>
+            <a:r>
+              <a:rPr lang="en-GB" b="1" dirty="0" smtClean="0"/>
+              <a:t>science-backed </a:t>
+            </a:r>
+            <a:r>
+              <a:rPr lang="en-GB" dirty="0" smtClean="0"/>
+              <a:t>information free from bias.</a:t>
+            </a:r>
+          </a:p>
+          <a:p>
+            <a:pPr marL="0" indent="0">
+              <a:buNone/>
+            </a:pPr>
             <a:endParaRPr lang="en-GB" dirty="0"/>
           </a:p>
           <a:p>
-            <a:r>
-              <a:rPr lang="en-GB" dirty="0" smtClean="0"/>
-              <a:t>For each tweet we then predicted the probability that tweet is </a:t>
-            </a:r>
-            <a:r>
-              <a:rPr lang="en-GB" i="1" dirty="0" smtClean="0"/>
-              <a:t>misinformation</a:t>
-            </a:r>
-            <a:r>
-              <a:rPr lang="en-GB" dirty="0" smtClean="0"/>
-              <a:t> based on our model</a:t>
-            </a:r>
+            <a:pPr marL="0" indent="0">
+              <a:buNone/>
+            </a:pPr>
+            <a:endParaRPr lang="en-GB" dirty="0" smtClean="0"/>
           </a:p>
           <a:p>
             <a:endParaRPr lang="en-GB" dirty="0"/>
           </a:p>
           <a:p>
-            <a:r>
-              <a:rPr lang="en-GB" dirty="0" smtClean="0"/>
-              <a:t>Model covariates include – </a:t>
-            </a:r>
-            <a:r>
-              <a:rPr lang="en-GB" b="1" dirty="0" smtClean="0"/>
-              <a:t>Sentiment of tweet, Categorised Entities and Date</a:t>
-            </a:r>
             <a:endParaRPr lang="en-GB" dirty="0"/>
           </a:p>
         </p:txBody>
@@ -4594,7 +4731,7 @@
     </p:spTree>
     <p:extLst>
       <p:ext uri="{BB962C8B-B14F-4D97-AF65-F5344CB8AC3E}">
-        <p14:creationId xmlns:p14="http://schemas.microsoft.com/office/powerpoint/2010/main" val="351017167"/>
+        <p14:creationId xmlns:p14="http://schemas.microsoft.com/office/powerpoint/2010/main" val="1030494740"/>
       </p:ext>
     </p:extLst>
   </p:cSld>
@@ -4638,7 +4775,7 @@
           <a:p>
             <a:r>
               <a:rPr lang="en-GB" dirty="0" smtClean="0"/>
-              <a:t>Topic Modelling</a:t>
+              <a:t>Alerts</a:t>
             </a:r>
             <a:endParaRPr lang="en-GB" dirty="0"/>
           </a:p>
@@ -4659,14 +4796,69 @@
           <a:bodyPr/>
           <a:lstStyle/>
           <a:p>
-            <a:endParaRPr lang="en-GB"/>
+            <a:pPr marL="0" indent="0">
+              <a:buNone/>
+            </a:pPr>
+            <a:r>
+              <a:rPr lang="en-GB" dirty="0" smtClean="0"/>
+              <a:t>We alert the user to an</a:t>
+            </a:r>
+            <a:r>
+              <a:rPr lang="en-GB" b="1" dirty="0" smtClean="0"/>
+              <a:t> increase </a:t>
+            </a:r>
+            <a:r>
+              <a:rPr lang="en-GB" dirty="0" smtClean="0"/>
+              <a:t>in misinformation for a given month.</a:t>
+            </a:r>
+          </a:p>
+          <a:p>
+            <a:endParaRPr lang="en-GB" dirty="0"/>
+          </a:p>
+          <a:p>
+            <a:pPr marL="0" indent="0">
+              <a:buNone/>
+            </a:pPr>
+            <a:r>
+              <a:rPr lang="en-GB" dirty="0" smtClean="0"/>
+              <a:t>The user only receives an alert if this month’s information is </a:t>
+            </a:r>
+            <a:r>
+              <a:rPr lang="en-GB" b="1" dirty="0" smtClean="0"/>
+              <a:t>above a confidence interval </a:t>
+            </a:r>
+            <a:r>
+              <a:rPr lang="en-GB" dirty="0" smtClean="0"/>
+              <a:t>for the previous month.</a:t>
+            </a:r>
+          </a:p>
+          <a:p>
+            <a:endParaRPr lang="en-GB" dirty="0"/>
+          </a:p>
+          <a:p>
+            <a:pPr marL="0" indent="0">
+              <a:buNone/>
+            </a:pPr>
+            <a:r>
+              <a:rPr lang="en-GB" dirty="0" smtClean="0"/>
+              <a:t>We predict whether anti-vaccination attitudes will</a:t>
+            </a:r>
+            <a:r>
+              <a:rPr lang="en-GB" u="sng" dirty="0" smtClean="0"/>
+              <a:t> change </a:t>
+            </a:r>
+            <a:r>
+              <a:rPr lang="en-GB" dirty="0" smtClean="0"/>
+              <a:t>in the upcoming month</a:t>
+            </a:r>
+            <a:endParaRPr lang="en-GB" dirty="0"/>
           </a:p>
         </p:txBody>
       </p:sp>
     </p:spTree>
     <p:extLst>
       <p:ext uri="{BB962C8B-B14F-4D97-AF65-F5344CB8AC3E}">
-        <p14:creationId xmlns:p14="http://schemas.microsoft.com/office/powerpoint/2010/main" val="1240740900"/>
+        <p14:creationId xmlns:p14="http://schemas.microsoft.com/office/powerpoint/2010/main" val="2259214444"/>
       </p:ext>
     </p:extLst>
   </p:cSld>
@@ -4710,7 +4902,15 @@
           <a:p>
             <a:r>
               <a:rPr lang="en-GB" dirty="0" smtClean="0"/>
-              <a:t>Clustering</a:t>
+              <a:t>Sentiment vs </a:t>
+            </a:r>
+            <a:r>
+              <a:rPr lang="en-GB" dirty="0" err="1" smtClean="0"/>
+              <a:t>Mis</a:t>
+            </a:r>
+            <a:r>
+              <a:rPr lang="en-GB" smtClean="0"/>
+              <a:t>-information</a:t>
             </a:r>
             <a:endParaRPr lang="en-GB" dirty="0"/>
           </a:p>
@@ -4731,14 +4931,55 @@
           <a:bodyPr/>
           <a:lstStyle/>
           <a:p>
-            <a:endParaRPr lang="en-GB"/>
+            <a:pPr marL="0" indent="0">
+              <a:buNone/>
+            </a:pPr>
+            <a:r>
+              <a:rPr lang="en-GB" dirty="0" smtClean="0"/>
+              <a:t>We note that it is difficult to fully identify trolls</a:t>
+            </a:r>
+          </a:p>
+          <a:p>
+            <a:endParaRPr lang="en-GB" dirty="0" smtClean="0"/>
+          </a:p>
+          <a:p>
+            <a:pPr marL="0" indent="0">
+              <a:buNone/>
+            </a:pPr>
+            <a:r>
+              <a:rPr lang="en-GB" dirty="0" smtClean="0"/>
+              <a:t>We have labelled our training data based with human judgement as to whether a tweet is </a:t>
+            </a:r>
+            <a:r>
+              <a:rPr lang="en-GB" b="1" dirty="0" smtClean="0"/>
+              <a:t>genuine sentiment</a:t>
+            </a:r>
+            <a:endParaRPr lang="en-GB" dirty="0"/>
+          </a:p>
+          <a:p>
+            <a:endParaRPr lang="en-GB" dirty="0"/>
+          </a:p>
+          <a:p>
+            <a:pPr marL="0" indent="0">
+              <a:buNone/>
+            </a:pPr>
+            <a:r>
+              <a:rPr lang="en-GB" dirty="0" smtClean="0"/>
+              <a:t>We have removed duplicate tweets</a:t>
+            </a:r>
+          </a:p>
+          <a:p>
+            <a:endParaRPr lang="en-GB" dirty="0"/>
+          </a:p>
+          <a:p>
+            <a:endParaRPr lang="en-GB" dirty="0"/>
           </a:p>
         </p:txBody>
       </p:sp>
     </p:spTree>
     <p:extLst>
       <p:ext uri="{BB962C8B-B14F-4D97-AF65-F5344CB8AC3E}">
-        <p14:creationId xmlns:p14="http://schemas.microsoft.com/office/powerpoint/2010/main" val="420469958"/>
+        <p14:creationId xmlns:p14="http://schemas.microsoft.com/office/powerpoint/2010/main" val="4022270483"/>
       </p:ext>
     </p:extLst>
   </p:cSld>

--- a/Powerpoint presentation.pptx
+++ b/Powerpoint presentation.pptx
@@ -3876,6 +3876,36 @@
           </a:p>
         </p:txBody>
       </p:sp>
+      <p:pic>
+        <p:nvPicPr>
+          <p:cNvPr id="4" name="Picture 3"/>
+          <p:cNvPicPr>
+            <a:picLocks noChangeAspect="1"/>
+          </p:cNvPicPr>
+          <p:nvPr/>
+        </p:nvPicPr>
+        <p:blipFill>
+          <a:blip r:embed="rId2" cstate="print">
+            <a:extLst>
+              <a:ext uri="{28A0092B-C50C-407E-A947-70E740481C1C}">
+                <a14:useLocalDpi xmlns:a14="http://schemas.microsoft.com/office/drawing/2010/main" val="0"/>
+              </a:ext>
+            </a:extLst>
+          </a:blip>
+          <a:stretch>
+            <a:fillRect/>
+          </a:stretch>
+        </p:blipFill>
+        <p:spPr>
+          <a:xfrm>
+            <a:off x="10834255" y="14826"/>
+            <a:ext cx="1357745" cy="1357745"/>
+          </a:xfrm>
+          <a:prstGeom prst="rect">
+            <a:avLst/>
+          </a:prstGeom>
+        </p:spPr>
+      </p:pic>
     </p:spTree>
     <p:extLst>
       <p:ext uri="{BB962C8B-B14F-4D97-AF65-F5344CB8AC3E}">
@@ -3944,10 +3974,176 @@
           <a:bodyPr/>
           <a:lstStyle/>
           <a:p>
+            <a:r>
+              <a:rPr lang="en-GB" dirty="0" smtClean="0"/>
+              <a:t>We would ensure the following:</a:t>
+            </a:r>
+          </a:p>
+          <a:p>
+            <a:pPr marL="457200" indent="-457200">
+              <a:buFont typeface="+mj-lt"/>
+              <a:buAutoNum type="arabicPeriod"/>
+            </a:pPr>
+            <a:r>
+              <a:rPr lang="en-GB" dirty="0" smtClean="0"/>
+              <a:t>Data labelling is done by people from </a:t>
+            </a:r>
+            <a:r>
+              <a:rPr lang="en-GB" b="1" dirty="0" smtClean="0"/>
+              <a:t>diverse communities</a:t>
+            </a:r>
+            <a:r>
+              <a:rPr lang="en-GB" dirty="0" smtClean="0"/>
+              <a:t> and backgrounds, to ensure misinformation is captured</a:t>
+            </a:r>
+          </a:p>
+          <a:p>
+            <a:pPr marL="457200" indent="-457200">
+              <a:buFont typeface="+mj-lt"/>
+              <a:buAutoNum type="arabicPeriod"/>
+            </a:pPr>
+            <a:r>
+              <a:rPr lang="en-GB" dirty="0" smtClean="0"/>
+              <a:t>The platform displays misinformation from </a:t>
+            </a:r>
+            <a:r>
+              <a:rPr lang="en-GB" u="sng" dirty="0" smtClean="0"/>
+              <a:t>global communities</a:t>
+            </a:r>
+            <a:r>
+              <a:rPr lang="en-GB" dirty="0" smtClean="0"/>
+              <a:t>, to ensure all are represented. We would also include a selector to </a:t>
+            </a:r>
+            <a:r>
+              <a:rPr lang="en-GB" b="1" dirty="0" smtClean="0"/>
+              <a:t>subset by geographic region</a:t>
+            </a:r>
+          </a:p>
+          <a:p>
+            <a:pPr marL="457200" indent="-457200">
+              <a:buFont typeface="+mj-lt"/>
+              <a:buAutoNum type="arabicPeriod"/>
+            </a:pPr>
+            <a:r>
+              <a:rPr lang="en-GB" dirty="0" smtClean="0"/>
+              <a:t>We will ensure data is </a:t>
+            </a:r>
+            <a:r>
+              <a:rPr lang="en-GB" b="1" dirty="0" smtClean="0"/>
+              <a:t>not public, or identifiable</a:t>
+            </a:r>
+            <a:r>
+              <a:rPr lang="en-GB" dirty="0" smtClean="0"/>
+              <a:t>. We will not show any specific tweets</a:t>
+            </a:r>
+          </a:p>
+          <a:p>
+            <a:pPr marL="457200" indent="-457200">
+              <a:buFont typeface="+mj-lt"/>
+              <a:buAutoNum type="arabicPeriod"/>
+            </a:pPr>
+            <a:r>
+              <a:rPr lang="en-GB" dirty="0" smtClean="0"/>
+              <a:t>Code </a:t>
+            </a:r>
+            <a:r>
+              <a:rPr lang="en-GB" b="1" dirty="0" smtClean="0"/>
+              <a:t>will</a:t>
+            </a:r>
+            <a:r>
+              <a:rPr lang="en-GB" dirty="0" smtClean="0"/>
+              <a:t> be publishe</a:t>
+            </a:r>
+            <a:r>
+              <a:rPr lang="en-GB" dirty="0" smtClean="0"/>
+              <a:t>d on </a:t>
+            </a:r>
+            <a:r>
+              <a:rPr lang="en-GB" dirty="0" err="1" smtClean="0"/>
+              <a:t>Github</a:t>
+            </a:r>
+            <a:r>
+              <a:rPr lang="en-GB" dirty="0"/>
+              <a:t> </a:t>
+            </a:r>
+            <a:r>
+              <a:rPr lang="en-GB" dirty="0" smtClean="0"/>
+              <a:t>– will be </a:t>
+            </a:r>
+            <a:r>
+              <a:rPr lang="en-GB" u="sng" dirty="0" smtClean="0"/>
+              <a:t>reproducible</a:t>
+            </a:r>
+          </a:p>
+          <a:p>
+            <a:pPr marL="457200" indent="-457200">
+              <a:buFont typeface="+mj-lt"/>
+              <a:buAutoNum type="arabicPeriod"/>
+            </a:pPr>
+            <a:r>
+              <a:rPr lang="en-GB" dirty="0" smtClean="0"/>
+              <a:t>Our survey will be </a:t>
+            </a:r>
+            <a:r>
+              <a:rPr lang="en-GB" b="1" dirty="0" smtClean="0"/>
+              <a:t>inclusive</a:t>
+            </a:r>
+            <a:r>
+              <a:rPr lang="en-GB" dirty="0" smtClean="0"/>
+              <a:t>, and will work with people to discuss their concerns as to vaccines.</a:t>
+            </a:r>
+          </a:p>
+          <a:p>
+            <a:pPr marL="457200" indent="-457200">
+              <a:buFont typeface="+mj-lt"/>
+              <a:buAutoNum type="arabicPeriod"/>
+            </a:pPr>
+            <a:r>
+              <a:rPr lang="en-GB" dirty="0" smtClean="0"/>
+              <a:t>Interventions will work with </a:t>
+            </a:r>
+            <a:r>
+              <a:rPr lang="en-GB" b="1" dirty="0" smtClean="0"/>
+              <a:t>community leaders </a:t>
+            </a:r>
+            <a:r>
+              <a:rPr lang="en-GB" dirty="0" smtClean="0"/>
+              <a:t>to be most effective</a:t>
+            </a:r>
             <a:endParaRPr lang="en-GB" dirty="0"/>
           </a:p>
         </p:txBody>
       </p:sp>
+      <p:pic>
+        <p:nvPicPr>
+          <p:cNvPr id="4" name="Picture 3"/>
+          <p:cNvPicPr>
+            <a:picLocks noChangeAspect="1"/>
+          </p:cNvPicPr>
+          <p:nvPr/>
+        </p:nvPicPr>
+        <p:blipFill>
+          <a:blip r:embed="rId2" cstate="print">
+            <a:extLst>
+              <a:ext uri="{28A0092B-C50C-407E-A947-70E740481C1C}">
+                <a14:useLocalDpi xmlns:a14="http://schemas.microsoft.com/office/drawing/2010/main" val="0"/>
+              </a:ext>
+            </a:extLst>
+          </a:blip>
+          <a:stretch>
+            <a:fillRect/>
+          </a:stretch>
+        </p:blipFill>
+        <p:spPr>
+          <a:xfrm>
+            <a:off x="10834255" y="14826"/>
+            <a:ext cx="1357745" cy="1357745"/>
+          </a:xfrm>
+          <a:prstGeom prst="rect">
+            <a:avLst/>
+          </a:prstGeom>
+        </p:spPr>
+      </p:pic>
     </p:spTree>
     <p:extLst>
       <p:ext uri="{BB962C8B-B14F-4D97-AF65-F5344CB8AC3E}">
@@ -4109,6 +4305,36 @@
           </a:p>
         </p:txBody>
       </p:sp>
+      <p:pic>
+        <p:nvPicPr>
+          <p:cNvPr id="6" name="Picture 5"/>
+          <p:cNvPicPr>
+            <a:picLocks noChangeAspect="1"/>
+          </p:cNvPicPr>
+          <p:nvPr/>
+        </p:nvPicPr>
+        <p:blipFill>
+          <a:blip r:embed="rId2" cstate="print">
+            <a:extLst>
+              <a:ext uri="{28A0092B-C50C-407E-A947-70E740481C1C}">
+                <a14:useLocalDpi xmlns:a14="http://schemas.microsoft.com/office/drawing/2010/main" val="0"/>
+              </a:ext>
+            </a:extLst>
+          </a:blip>
+          <a:stretch>
+            <a:fillRect/>
+          </a:stretch>
+        </p:blipFill>
+        <p:spPr>
+          <a:xfrm>
+            <a:off x="10834255" y="14826"/>
+            <a:ext cx="1357745" cy="1357745"/>
+          </a:xfrm>
+          <a:prstGeom prst="rect">
+            <a:avLst/>
+          </a:prstGeom>
+        </p:spPr>
+      </p:pic>
     </p:spTree>
     <p:extLst>
       <p:ext uri="{BB962C8B-B14F-4D97-AF65-F5344CB8AC3E}">
@@ -4187,11 +4413,29 @@
             </a:r>
             <a:r>
               <a:rPr lang="en-GB" dirty="0" smtClean="0"/>
-              <a:t>interventions can be targeted on social media</a:t>
+              <a:t>interventions can be targeted on social </a:t>
+            </a:r>
+            <a:r>
+              <a:rPr lang="en-GB" dirty="0" smtClean="0"/>
+              <a:t>media</a:t>
             </a:r>
           </a:p>
           <a:p>
             <a:endParaRPr lang="en-GB" dirty="0"/>
+          </a:p>
+          <a:p>
+            <a:r>
+              <a:rPr lang="en-GB" dirty="0" smtClean="0"/>
+              <a:t>Our app runs in conjunction with a </a:t>
+            </a:r>
+            <a:r>
+              <a:rPr lang="en-GB" u="sng" dirty="0" smtClean="0"/>
+              <a:t>monthly vaccine attitudes survey</a:t>
+            </a:r>
+            <a:endParaRPr lang="en-GB" u="sng" dirty="0" smtClean="0"/>
+          </a:p>
+          <a:p>
+            <a:endParaRPr lang="en-GB" u="sng" dirty="0"/>
           </a:p>
           <a:p>
             <a:r>
@@ -4227,6 +4471,36 @@
           </a:p>
         </p:txBody>
       </p:sp>
+      <p:pic>
+        <p:nvPicPr>
+          <p:cNvPr id="4" name="Picture 3"/>
+          <p:cNvPicPr>
+            <a:picLocks noChangeAspect="1"/>
+          </p:cNvPicPr>
+          <p:nvPr/>
+        </p:nvPicPr>
+        <p:blipFill>
+          <a:blip r:embed="rId2" cstate="print">
+            <a:extLst>
+              <a:ext uri="{28A0092B-C50C-407E-A947-70E740481C1C}">
+                <a14:useLocalDpi xmlns:a14="http://schemas.microsoft.com/office/drawing/2010/main" val="0"/>
+              </a:ext>
+            </a:extLst>
+          </a:blip>
+          <a:stretch>
+            <a:fillRect/>
+          </a:stretch>
+        </p:blipFill>
+        <p:spPr>
+          <a:xfrm>
+            <a:off x="10834255" y="14826"/>
+            <a:ext cx="1357745" cy="1357745"/>
+          </a:xfrm>
+          <a:prstGeom prst="rect">
+            <a:avLst/>
+          </a:prstGeom>
+        </p:spPr>
+      </p:pic>
     </p:spTree>
     <p:extLst>
       <p:ext uri="{BB962C8B-B14F-4D97-AF65-F5344CB8AC3E}">
@@ -4353,6 +4627,36 @@
           </a:p>
         </p:txBody>
       </p:sp>
+      <p:pic>
+        <p:nvPicPr>
+          <p:cNvPr id="4" name="Picture 3"/>
+          <p:cNvPicPr>
+            <a:picLocks noChangeAspect="1"/>
+          </p:cNvPicPr>
+          <p:nvPr/>
+        </p:nvPicPr>
+        <p:blipFill>
+          <a:blip r:embed="rId2" cstate="print">
+            <a:extLst>
+              <a:ext uri="{28A0092B-C50C-407E-A947-70E740481C1C}">
+                <a14:useLocalDpi xmlns:a14="http://schemas.microsoft.com/office/drawing/2010/main" val="0"/>
+              </a:ext>
+            </a:extLst>
+          </a:blip>
+          <a:stretch>
+            <a:fillRect/>
+          </a:stretch>
+        </p:blipFill>
+        <p:spPr>
+          <a:xfrm>
+            <a:off x="10834255" y="14826"/>
+            <a:ext cx="1357745" cy="1357745"/>
+          </a:xfrm>
+          <a:prstGeom prst="rect">
+            <a:avLst/>
+          </a:prstGeom>
+        </p:spPr>
+      </p:pic>
     </p:spTree>
     <p:extLst>
       <p:ext uri="{BB962C8B-B14F-4D97-AF65-F5344CB8AC3E}">
@@ -4469,6 +4773,36 @@
           </a:p>
         </p:txBody>
       </p:sp>
+      <p:pic>
+        <p:nvPicPr>
+          <p:cNvPr id="4" name="Picture 3"/>
+          <p:cNvPicPr>
+            <a:picLocks noChangeAspect="1"/>
+          </p:cNvPicPr>
+          <p:nvPr/>
+        </p:nvPicPr>
+        <p:blipFill>
+          <a:blip r:embed="rId2" cstate="print">
+            <a:extLst>
+              <a:ext uri="{28A0092B-C50C-407E-A947-70E740481C1C}">
+                <a14:useLocalDpi xmlns:a14="http://schemas.microsoft.com/office/drawing/2010/main" val="0"/>
+              </a:ext>
+            </a:extLst>
+          </a:blip>
+          <a:stretch>
+            <a:fillRect/>
+          </a:stretch>
+        </p:blipFill>
+        <p:spPr>
+          <a:xfrm>
+            <a:off x="10834255" y="14826"/>
+            <a:ext cx="1357745" cy="1357745"/>
+          </a:xfrm>
+          <a:prstGeom prst="rect">
+            <a:avLst/>
+          </a:prstGeom>
+        </p:spPr>
+      </p:pic>
     </p:spTree>
     <p:extLst>
       <p:ext uri="{BB962C8B-B14F-4D97-AF65-F5344CB8AC3E}">
@@ -4592,6 +4926,36 @@
           </a:p>
         </p:txBody>
       </p:sp>
+      <p:pic>
+        <p:nvPicPr>
+          <p:cNvPr id="4" name="Picture 3"/>
+          <p:cNvPicPr>
+            <a:picLocks noChangeAspect="1"/>
+          </p:cNvPicPr>
+          <p:nvPr/>
+        </p:nvPicPr>
+        <p:blipFill>
+          <a:blip r:embed="rId2" cstate="print">
+            <a:extLst>
+              <a:ext uri="{28A0092B-C50C-407E-A947-70E740481C1C}">
+                <a14:useLocalDpi xmlns:a14="http://schemas.microsoft.com/office/drawing/2010/main" val="0"/>
+              </a:ext>
+            </a:extLst>
+          </a:blip>
+          <a:stretch>
+            <a:fillRect/>
+          </a:stretch>
+        </p:blipFill>
+        <p:spPr>
+          <a:xfrm>
+            <a:off x="10834255" y="14826"/>
+            <a:ext cx="1357745" cy="1357745"/>
+          </a:xfrm>
+          <a:prstGeom prst="rect">
+            <a:avLst/>
+          </a:prstGeom>
+        </p:spPr>
+      </p:pic>
     </p:spTree>
     <p:extLst>
       <p:ext uri="{BB962C8B-B14F-4D97-AF65-F5344CB8AC3E}">
@@ -4728,6 +5092,36 @@
           </a:p>
         </p:txBody>
       </p:sp>
+      <p:pic>
+        <p:nvPicPr>
+          <p:cNvPr id="4" name="Picture 3"/>
+          <p:cNvPicPr>
+            <a:picLocks noChangeAspect="1"/>
+          </p:cNvPicPr>
+          <p:nvPr/>
+        </p:nvPicPr>
+        <p:blipFill>
+          <a:blip r:embed="rId2" cstate="print">
+            <a:extLst>
+              <a:ext uri="{28A0092B-C50C-407E-A947-70E740481C1C}">
+                <a14:useLocalDpi xmlns:a14="http://schemas.microsoft.com/office/drawing/2010/main" val="0"/>
+              </a:ext>
+            </a:extLst>
+          </a:blip>
+          <a:stretch>
+            <a:fillRect/>
+          </a:stretch>
+        </p:blipFill>
+        <p:spPr>
+          <a:xfrm>
+            <a:off x="10834255" y="14826"/>
+            <a:ext cx="1357745" cy="1357745"/>
+          </a:xfrm>
+          <a:prstGeom prst="rect">
+            <a:avLst/>
+          </a:prstGeom>
+        </p:spPr>
+      </p:pic>
     </p:spTree>
     <p:extLst>
       <p:ext uri="{BB962C8B-B14F-4D97-AF65-F5344CB8AC3E}">
@@ -4855,6 +5249,36 @@
           </a:p>
         </p:txBody>
       </p:sp>
+      <p:pic>
+        <p:nvPicPr>
+          <p:cNvPr id="4" name="Picture 3"/>
+          <p:cNvPicPr>
+            <a:picLocks noChangeAspect="1"/>
+          </p:cNvPicPr>
+          <p:nvPr/>
+        </p:nvPicPr>
+        <p:blipFill>
+          <a:blip r:embed="rId2" cstate="print">
+            <a:extLst>
+              <a:ext uri="{28A0092B-C50C-407E-A947-70E740481C1C}">
+                <a14:useLocalDpi xmlns:a14="http://schemas.microsoft.com/office/drawing/2010/main" val="0"/>
+              </a:ext>
+            </a:extLst>
+          </a:blip>
+          <a:stretch>
+            <a:fillRect/>
+          </a:stretch>
+        </p:blipFill>
+        <p:spPr>
+          <a:xfrm>
+            <a:off x="10834255" y="14826"/>
+            <a:ext cx="1357745" cy="1357745"/>
+          </a:xfrm>
+          <a:prstGeom prst="rect">
+            <a:avLst/>
+          </a:prstGeom>
+        </p:spPr>
+      </p:pic>
     </p:spTree>
     <p:extLst>
       <p:ext uri="{BB962C8B-B14F-4D97-AF65-F5344CB8AC3E}">
@@ -4976,6 +5400,36 @@
           </a:p>
         </p:txBody>
       </p:sp>
+      <p:pic>
+        <p:nvPicPr>
+          <p:cNvPr id="4" name="Picture 3"/>
+          <p:cNvPicPr>
+            <a:picLocks noChangeAspect="1"/>
+          </p:cNvPicPr>
+          <p:nvPr/>
+        </p:nvPicPr>
+        <p:blipFill>
+          <a:blip r:embed="rId2" cstate="print">
+            <a:extLst>
+              <a:ext uri="{28A0092B-C50C-407E-A947-70E740481C1C}">
+                <a14:useLocalDpi xmlns:a14="http://schemas.microsoft.com/office/drawing/2010/main" val="0"/>
+              </a:ext>
+            </a:extLst>
+          </a:blip>
+          <a:stretch>
+            <a:fillRect/>
+          </a:stretch>
+        </p:blipFill>
+        <p:spPr>
+          <a:xfrm>
+            <a:off x="10834255" y="14826"/>
+            <a:ext cx="1357745" cy="1357745"/>
+          </a:xfrm>
+          <a:prstGeom prst="rect">
+            <a:avLst/>
+          </a:prstGeom>
+        </p:spPr>
+      </p:pic>
     </p:spTree>
     <p:extLst>
       <p:ext uri="{BB962C8B-B14F-4D97-AF65-F5344CB8AC3E}">
